--- a/perceptron_lecture/The Perceptron.pptx
+++ b/perceptron_lecture/The Perceptron.pptx
@@ -33088,25 +33088,7 @@
                           <a:rPr lang="en-US" b="0" i="1" smtClean="0">
                             <a:latin typeface="Cambria Math" panose="02040503050406030204" pitchFamily="18" charset="0"/>
                           </a:rPr>
-                          <m:t>−</m:t>
-                        </m:r>
-                        <m:r>
-                          <a:rPr lang="en-US" b="0" i="1" smtClean="0">
-                            <a:latin typeface="Cambria Math" panose="02040503050406030204" pitchFamily="18" charset="0"/>
-                          </a:rPr>
-                          <m:t>1</m:t>
-                        </m:r>
-                        <m:r>
-                          <a:rPr lang="en-US" b="0" i="1" smtClean="0">
-                            <a:latin typeface="Cambria Math" panose="02040503050406030204" pitchFamily="18" charset="0"/>
-                          </a:rPr>
-                          <m:t>,</m:t>
-                        </m:r>
-                        <m:r>
-                          <a:rPr lang="en-US" b="0" i="1" smtClean="0">
-                            <a:latin typeface="Cambria Math" panose="02040503050406030204" pitchFamily="18" charset="0"/>
-                          </a:rPr>
-                          <m:t>1</m:t>
+                          <m:t>−1,1</m:t>
                         </m:r>
                       </m:e>
                     </m:d>
@@ -33296,13 +33278,7 @@
                       <a:rPr lang="en-US" b="0" i="1" smtClean="0">
                         <a:latin typeface="Cambria Math" panose="02040503050406030204" pitchFamily="18" charset="0"/>
                       </a:rPr>
-                      <m:t>&gt;</m:t>
-                    </m:r>
-                    <m:r>
-                      <a:rPr lang="en-US" b="0" i="1" smtClean="0">
-                        <a:latin typeface="Cambria Math" panose="02040503050406030204" pitchFamily="18" charset="0"/>
-                      </a:rPr>
-                      <m:t>0</m:t>
+                      <m:t>&gt;0</m:t>
                     </m:r>
                   </m:oMath>
                 </a14:m>
@@ -33367,13 +33343,7 @@
                       <a:rPr lang="en-US" b="0" i="1" smtClean="0">
                         <a:latin typeface="Cambria Math" panose="02040503050406030204" pitchFamily="18" charset="0"/>
                       </a:rPr>
-                      <m:t>=</m:t>
-                    </m:r>
-                    <m:r>
-                      <a:rPr lang="en-US" b="0" i="1" smtClean="0">
-                        <a:latin typeface="Cambria Math" panose="02040503050406030204" pitchFamily="18" charset="0"/>
-                      </a:rPr>
-                      <m:t>1</m:t>
+                      <m:t>=1</m:t>
                     </m:r>
                   </m:oMath>
                 </a14:m>
@@ -43654,8 +43624,8 @@
           </a:p>
         </p:txBody>
       </p:sp>
-      <mc:AlternateContent xmlns:mc="http://schemas.openxmlformats.org/markup-compatibility/2006" xmlns:a14="http://schemas.microsoft.com/office/drawing/2010/main">
-        <mc:Choice Requires="a14">
+      <mc:AlternateContent xmlns:mc="http://schemas.openxmlformats.org/markup-compatibility/2006">
+        <mc:Choice xmlns:a14="http://schemas.microsoft.com/office/drawing/2010/main" Requires="a14">
           <p:sp>
             <p:nvSpPr>
               <p:cNvPr id="8" name="תיבת טקסט 7">
@@ -43671,7 +43641,7 @@
             <p:spPr>
               <a:xfrm>
                 <a:off x="1528665" y="2093976"/>
-                <a:ext cx="9134670" cy="3961982"/>
+                <a:ext cx="9134670" cy="3637791"/>
               </a:xfrm>
               <a:prstGeom prst="rect">
                 <a:avLst/>
@@ -44312,7 +44282,7 @@
               <a:p>
                 <a:r>
                   <a:rPr lang="en-US" sz="2400" dirty="0"/>
-                  <a:t>The above terms could also be represented at inner product: </a:t>
+                  <a:t>The above terms could also be represented as inner product: </a:t>
                 </a:r>
                 <a14:m>
                   <m:oMath xmlns:m="http://schemas.openxmlformats.org/officeDocument/2006/math">
@@ -44466,12 +44436,130 @@
                     </m:d>
                   </m:oMath>
                 </a14:m>
+                <a:r>
+                  <a:rPr lang="en-US" sz="2400" dirty="0"/>
+                  <a:t> and </a:t>
+                </a:r>
+                <a14:m>
+                  <m:oMath xmlns:m="http://schemas.openxmlformats.org/officeDocument/2006/math">
+                    <m:r>
+                      <a:rPr lang="en-US" sz="2400" b="0" i="1" smtClean="0">
+                        <a:latin typeface="Cambria Math" panose="02040503050406030204" pitchFamily="18" charset="0"/>
+                      </a:rPr>
+                      <m:t>𝑥</m:t>
+                    </m:r>
+                    <m:r>
+                      <a:rPr lang="en-US" sz="2400" b="0" i="1" smtClean="0">
+                        <a:latin typeface="Cambria Math" panose="02040503050406030204" pitchFamily="18" charset="0"/>
+                      </a:rPr>
+                      <m:t>=</m:t>
+                    </m:r>
+                    <m:d>
+                      <m:dPr>
+                        <m:ctrlPr>
+                          <a:rPr lang="en-US" sz="2400" b="0" i="1" smtClean="0">
+                            <a:latin typeface="Cambria Math" panose="02040503050406030204" pitchFamily="18" charset="0"/>
+                          </a:rPr>
+                        </m:ctrlPr>
+                      </m:dPr>
+                      <m:e>
+                        <m:sSub>
+                          <m:sSubPr>
+                            <m:ctrlPr>
+                              <a:rPr lang="en-US" sz="2400" b="0" i="1" smtClean="0">
+                                <a:latin typeface="Cambria Math" panose="02040503050406030204" pitchFamily="18" charset="0"/>
+                              </a:rPr>
+                            </m:ctrlPr>
+                          </m:sSubPr>
+                          <m:e>
+                            <m:r>
+                              <a:rPr lang="en-US" sz="2400" b="0" i="1" smtClean="0">
+                                <a:latin typeface="Cambria Math" panose="02040503050406030204" pitchFamily="18" charset="0"/>
+                              </a:rPr>
+                              <m:t>𝑥</m:t>
+                            </m:r>
+                          </m:e>
+                          <m:sub>
+                            <m:r>
+                              <a:rPr lang="en-US" sz="2400" b="0" i="1" smtClean="0">
+                                <a:latin typeface="Cambria Math" panose="02040503050406030204" pitchFamily="18" charset="0"/>
+                              </a:rPr>
+                              <m:t>1</m:t>
+                            </m:r>
+                          </m:sub>
+                        </m:sSub>
+                        <m:r>
+                          <a:rPr lang="en-US" sz="2400" b="0" i="1" smtClean="0">
+                            <a:latin typeface="Cambria Math" panose="02040503050406030204" pitchFamily="18" charset="0"/>
+                          </a:rPr>
+                          <m:t>,</m:t>
+                        </m:r>
+                        <m:sSub>
+                          <m:sSubPr>
+                            <m:ctrlPr>
+                              <a:rPr lang="en-US" sz="2400" b="0" i="1" smtClean="0">
+                                <a:latin typeface="Cambria Math" panose="02040503050406030204" pitchFamily="18" charset="0"/>
+                              </a:rPr>
+                            </m:ctrlPr>
+                          </m:sSubPr>
+                          <m:e>
+                            <m:r>
+                              <a:rPr lang="en-US" sz="2400" b="0" i="1" smtClean="0">
+                                <a:latin typeface="Cambria Math" panose="02040503050406030204" pitchFamily="18" charset="0"/>
+                              </a:rPr>
+                              <m:t>𝑥</m:t>
+                            </m:r>
+                          </m:e>
+                          <m:sub>
+                            <m:r>
+                              <a:rPr lang="en-US" sz="2400" b="0" i="1" smtClean="0">
+                                <a:latin typeface="Cambria Math" panose="02040503050406030204" pitchFamily="18" charset="0"/>
+                              </a:rPr>
+                              <m:t>2</m:t>
+                            </m:r>
+                          </m:sub>
+                        </m:sSub>
+                        <m:r>
+                          <a:rPr lang="en-US" sz="2400" b="0" i="1" smtClean="0">
+                            <a:latin typeface="Cambria Math" panose="02040503050406030204" pitchFamily="18" charset="0"/>
+                          </a:rPr>
+                          <m:t>,…,</m:t>
+                        </m:r>
+                        <m:sSub>
+                          <m:sSubPr>
+                            <m:ctrlPr>
+                              <a:rPr lang="en-US" sz="2400" b="0" i="1" smtClean="0">
+                                <a:latin typeface="Cambria Math" panose="02040503050406030204" pitchFamily="18" charset="0"/>
+                              </a:rPr>
+                            </m:ctrlPr>
+                          </m:sSubPr>
+                          <m:e>
+                            <m:r>
+                              <a:rPr lang="en-US" sz="2400" b="0" i="1" smtClean="0">
+                                <a:latin typeface="Cambria Math" panose="02040503050406030204" pitchFamily="18" charset="0"/>
+                              </a:rPr>
+                              <m:t>𝑥</m:t>
+                            </m:r>
+                          </m:e>
+                          <m:sub>
+                            <m:r>
+                              <a:rPr lang="en-US" sz="2400" b="0" i="1" smtClean="0">
+                                <a:latin typeface="Cambria Math" panose="02040503050406030204" pitchFamily="18" charset="0"/>
+                              </a:rPr>
+                              <m:t>𝑛</m:t>
+                            </m:r>
+                          </m:sub>
+                        </m:sSub>
+                      </m:e>
+                    </m:d>
+                  </m:oMath>
+                </a14:m>
                 <a:endParaRPr lang="en-US" sz="2400" dirty="0"/>
               </a:p>
             </p:txBody>
           </p:sp>
         </mc:Choice>
-        <mc:Fallback xmlns="">
+        <mc:Fallback>
           <p:sp>
             <p:nvSpPr>
               <p:cNvPr id="8" name="תיבת טקסט 7">
@@ -44489,7 +44577,7 @@
             <p:spPr>
               <a:xfrm>
                 <a:off x="1528665" y="2093976"/>
-                <a:ext cx="9134670" cy="3961982"/>
+                <a:ext cx="9134670" cy="3637791"/>
               </a:xfrm>
               <a:prstGeom prst="rect">
                 <a:avLst/>
@@ -44497,7 +44585,7 @@
               <a:blipFill>
                 <a:blip r:embed="rId2"/>
                 <a:stretch>
-                  <a:fillRect l="-1068" t="-1233" r="-1602"/>
+                  <a:fillRect l="-1068" t="-1342" r="-1602" b="-1510"/>
                 </a:stretch>
               </a:blipFill>
             </p:spPr>

--- a/perceptron_lecture/The Perceptron.pptx
+++ b/perceptron_lecture/The Perceptron.pptx
@@ -32,8 +32,8 @@
     <p:sldId id="278" r:id="rId23"/>
     <p:sldId id="279" r:id="rId24"/>
     <p:sldId id="280" r:id="rId25"/>
-    <p:sldId id="281" r:id="rId26"/>
-    <p:sldId id="282" r:id="rId27"/>
+    <p:sldId id="294" r:id="rId26"/>
+    <p:sldId id="295" r:id="rId27"/>
     <p:sldId id="283" r:id="rId28"/>
     <p:sldId id="288" r:id="rId29"/>
     <p:sldId id="289" r:id="rId30"/>
@@ -2690,6 +2690,98 @@
               </c:ext>
             </c:extLst>
           </c:dPt>
+          <c:dLbls>
+            <c:dLbl>
+              <c:idx val="15"/>
+              <c:tx>
+                <c:rich>
+                  <a:bodyPr/>
+                  <a:lstStyle/>
+                  <a:p>
+                    <a:fld id="{7EEE3C08-A5B9-4DC3-8FBB-3830356486DA}" type="XVALUE">
+                      <a:rPr lang="en-US"/>
+                      <a:pPr/>
+                      <a:t>[ערך X]</a:t>
+                    </a:fld>
+                    <a:r>
+                      <a:rPr lang="en-US" baseline="0"/>
+                      <a:t>, -3/14</a:t>
+                    </a:r>
+                  </a:p>
+                </c:rich>
+              </c:tx>
+              <c:showLegendKey val="0"/>
+              <c:showVal val="1"/>
+              <c:showCatName val="1"/>
+              <c:showSerName val="0"/>
+              <c:showPercent val="0"/>
+              <c:showBubbleSize val="0"/>
+              <c:extLst>
+                <c:ext xmlns:c15="http://schemas.microsoft.com/office/drawing/2012/chart" uri="{CE6537A1-D6FC-4f65-9D91-7224C49458BB}">
+                  <c15:dlblFieldTable/>
+                  <c15:showDataLabelsRange val="0"/>
+                </c:ext>
+                <c:ext xmlns:c16="http://schemas.microsoft.com/office/drawing/2014/chart" uri="{C3380CC4-5D6E-409C-BE32-E72D297353CC}">
+                  <c16:uniqueId val="{00000006-1476-47EB-832C-332C19675209}"/>
+                </c:ext>
+              </c:extLst>
+            </c:dLbl>
+            <c:spPr>
+              <a:noFill/>
+              <a:ln>
+                <a:noFill/>
+              </a:ln>
+              <a:effectLst/>
+            </c:spPr>
+            <c:txPr>
+              <a:bodyPr rot="0" spcFirstLastPara="1" vertOverflow="ellipsis" vert="horz" wrap="square" lIns="38100" tIns="19050" rIns="38100" bIns="19050" anchor="ctr" anchorCtr="1">
+                <a:spAutoFit/>
+              </a:bodyPr>
+              <a:lstStyle/>
+              <a:p>
+                <a:pPr>
+                  <a:defRPr sz="1197" b="0" i="0" u="none" strike="noStrike" kern="1200" baseline="0">
+                    <a:solidFill>
+                      <a:schemeClr val="tx1">
+                        <a:lumMod val="75000"/>
+                        <a:lumOff val="25000"/>
+                      </a:schemeClr>
+                    </a:solidFill>
+                    <a:latin typeface="+mn-lt"/>
+                    <a:ea typeface="+mn-ea"/>
+                    <a:cs typeface="+mn-cs"/>
+                  </a:defRPr>
+                </a:pPr>
+                <a:endParaRPr lang="en-US"/>
+              </a:p>
+            </c:txPr>
+            <c:showLegendKey val="0"/>
+            <c:showVal val="1"/>
+            <c:showCatName val="1"/>
+            <c:showSerName val="0"/>
+            <c:showPercent val="0"/>
+            <c:showBubbleSize val="0"/>
+            <c:showLeaderLines val="0"/>
+            <c:extLst>
+              <c:ext xmlns:c15="http://schemas.microsoft.com/office/drawing/2012/chart" uri="{CE6537A1-D6FC-4f65-9D91-7224C49458BB}">
+                <c15:showLeaderLines val="1"/>
+                <c15:leaderLines>
+                  <c:spPr>
+                    <a:ln w="9525" cap="flat" cmpd="sng" algn="ctr">
+                      <a:solidFill>
+                        <a:schemeClr val="tx1">
+                          <a:lumMod val="35000"/>
+                          <a:lumOff val="65000"/>
+                        </a:schemeClr>
+                      </a:solidFill>
+                      <a:round/>
+                    </a:ln>
+                    <a:effectLst/>
+                  </c:spPr>
+                </c15:leaderLines>
+              </c:ext>
+            </c:extLst>
+          </c:dLbls>
           <c:xVal>
             <c:numRef>
               <c:f>גיליון1!$A$2:$A$23</c:f>
@@ -3142,8 +3234,8 @@
         <c:axId val="441775576"/>
         <c:scaling>
           <c:orientation val="minMax"/>
-          <c:max val="0.60000000000000009"/>
-          <c:min val="0"/>
+          <c:max val="1.2"/>
+          <c:min val="-0.4"/>
         </c:scaling>
         <c:delete val="0"/>
         <c:axPos val="b"/>
@@ -3206,8 +3298,8 @@
         <c:axId val="444985064"/>
         <c:scaling>
           <c:orientation val="minMax"/>
-          <c:max val="1.2"/>
-          <c:min val="-0.8"/>
+          <c:max val="1.4"/>
+          <c:min val="-1"/>
         </c:scaling>
         <c:delete val="0"/>
         <c:axPos val="l"/>
@@ -3466,6 +3558,12 @@
                 <c:pt idx="12">
                   <c:v>1</c:v>
                 </c:pt>
+                <c:pt idx="14">
+                  <c:v>0</c:v>
+                </c:pt>
+                <c:pt idx="15">
+                  <c:v>0.8</c:v>
+                </c:pt>
               </c:numCache>
             </c:numRef>
           </c:xVal>
@@ -3635,6 +3733,12 @@
                 <c:pt idx="12">
                   <c:v>1</c:v>
                 </c:pt>
+                <c:pt idx="14">
+                  <c:v>0</c:v>
+                </c:pt>
+                <c:pt idx="15">
+                  <c:v>0.8</c:v>
+                </c:pt>
               </c:numCache>
             </c:numRef>
           </c:xVal>
@@ -3771,6 +3875,12 @@
                 </c:pt>
                 <c:pt idx="12">
                   <c:v>1</c:v>
+                </c:pt>
+                <c:pt idx="14">
+                  <c:v>0</c:v>
+                </c:pt>
+                <c:pt idx="15">
+                  <c:v>0.8</c:v>
                 </c:pt>
               </c:numCache>
             </c:numRef>
@@ -3866,6 +3976,98 @@
               </c:ext>
             </c:extLst>
           </c:dPt>
+          <c:dLbls>
+            <c:dLbl>
+              <c:idx val="15"/>
+              <c:tx>
+                <c:rich>
+                  <a:bodyPr/>
+                  <a:lstStyle/>
+                  <a:p>
+                    <a:fld id="{7EEE3C08-A5B9-4DC3-8FBB-3830356486DA}" type="XVALUE">
+                      <a:rPr lang="en-US"/>
+                      <a:pPr/>
+                      <a:t>[ערך X]</a:t>
+                    </a:fld>
+                    <a:r>
+                      <a:rPr lang="en-US" baseline="0"/>
+                      <a:t>, -3/14</a:t>
+                    </a:r>
+                  </a:p>
+                </c:rich>
+              </c:tx>
+              <c:showLegendKey val="0"/>
+              <c:showVal val="1"/>
+              <c:showCatName val="1"/>
+              <c:showSerName val="0"/>
+              <c:showPercent val="0"/>
+              <c:showBubbleSize val="0"/>
+              <c:extLst>
+                <c:ext xmlns:c15="http://schemas.microsoft.com/office/drawing/2012/chart" uri="{CE6537A1-D6FC-4f65-9D91-7224C49458BB}">
+                  <c15:dlblFieldTable/>
+                  <c15:showDataLabelsRange val="0"/>
+                </c:ext>
+                <c:ext xmlns:c16="http://schemas.microsoft.com/office/drawing/2014/chart" uri="{C3380CC4-5D6E-409C-BE32-E72D297353CC}">
+                  <c16:uniqueId val="{00000006-1476-47EB-832C-332C19675209}"/>
+                </c:ext>
+              </c:extLst>
+            </c:dLbl>
+            <c:spPr>
+              <a:noFill/>
+              <a:ln>
+                <a:noFill/>
+              </a:ln>
+              <a:effectLst/>
+            </c:spPr>
+            <c:txPr>
+              <a:bodyPr rot="0" spcFirstLastPara="1" vertOverflow="ellipsis" vert="horz" wrap="square" lIns="38100" tIns="19050" rIns="38100" bIns="19050" anchor="ctr" anchorCtr="1">
+                <a:spAutoFit/>
+              </a:bodyPr>
+              <a:lstStyle/>
+              <a:p>
+                <a:pPr>
+                  <a:defRPr sz="1197" b="0" i="0" u="none" strike="noStrike" kern="1200" baseline="0">
+                    <a:solidFill>
+                      <a:schemeClr val="tx1">
+                        <a:lumMod val="75000"/>
+                        <a:lumOff val="25000"/>
+                      </a:schemeClr>
+                    </a:solidFill>
+                    <a:latin typeface="+mn-lt"/>
+                    <a:ea typeface="+mn-ea"/>
+                    <a:cs typeface="+mn-cs"/>
+                  </a:defRPr>
+                </a:pPr>
+                <a:endParaRPr lang="en-US"/>
+              </a:p>
+            </c:txPr>
+            <c:showLegendKey val="0"/>
+            <c:showVal val="1"/>
+            <c:showCatName val="1"/>
+            <c:showSerName val="0"/>
+            <c:showPercent val="0"/>
+            <c:showBubbleSize val="0"/>
+            <c:showLeaderLines val="0"/>
+            <c:extLst>
+              <c:ext xmlns:c15="http://schemas.microsoft.com/office/drawing/2012/chart" uri="{CE6537A1-D6FC-4f65-9D91-7224C49458BB}">
+                <c15:showLeaderLines val="1"/>
+                <c15:leaderLines>
+                  <c:spPr>
+                    <a:ln w="9525" cap="flat" cmpd="sng" algn="ctr">
+                      <a:solidFill>
+                        <a:schemeClr val="tx1">
+                          <a:lumMod val="35000"/>
+                          <a:lumOff val="65000"/>
+                        </a:schemeClr>
+                      </a:solidFill>
+                      <a:round/>
+                    </a:ln>
+                    <a:effectLst/>
+                  </c:spPr>
+                </c15:leaderLines>
+              </c:ext>
+            </c:extLst>
+          </c:dLbls>
           <c:xVal>
             <c:numRef>
               <c:f>גיליון1!$A$2:$A$23</c:f>
@@ -3910,6 +4112,12 @@
                 </c:pt>
                 <c:pt idx="12">
                   <c:v>1</c:v>
+                </c:pt>
+                <c:pt idx="14">
+                  <c:v>0</c:v>
+                </c:pt>
+                <c:pt idx="15">
+                  <c:v>0.8</c:v>
                 </c:pt>
               </c:numCache>
             </c:numRef>
@@ -3920,6 +4128,12 @@
               <c:numCache>
                 <c:formatCode>General</c:formatCode>
                 <c:ptCount val="22"/>
+                <c:pt idx="14">
+                  <c:v>0</c:v>
+                </c:pt>
+                <c:pt idx="15">
+                  <c:v>-0.81428571428571428</c:v>
+                </c:pt>
               </c:numCache>
             </c:numRef>
           </c:yVal>
@@ -4046,6 +4260,12 @@
                 <c:pt idx="12">
                   <c:v>1</c:v>
                 </c:pt>
+                <c:pt idx="14">
+                  <c:v>0</c:v>
+                </c:pt>
+                <c:pt idx="15">
+                  <c:v>0.8</c:v>
+                </c:pt>
               </c:numCache>
             </c:numRef>
           </c:xVal>
@@ -4147,6 +4367,12 @@
                 </c:pt>
                 <c:pt idx="12">
                   <c:v>1</c:v>
+                </c:pt>
+                <c:pt idx="14">
+                  <c:v>0</c:v>
+                </c:pt>
+                <c:pt idx="15">
+                  <c:v>0.8</c:v>
                 </c:pt>
               </c:numCache>
             </c:numRef>
@@ -4254,6 +4480,12 @@
                 <c:pt idx="12">
                   <c:v>1</c:v>
                 </c:pt>
+                <c:pt idx="14">
+                  <c:v>0</c:v>
+                </c:pt>
+                <c:pt idx="15">
+                  <c:v>0.8</c:v>
+                </c:pt>
               </c:numCache>
             </c:numRef>
           </c:xVal>
@@ -4288,8 +4520,8 @@
         <c:axId val="441775576"/>
         <c:scaling>
           <c:orientation val="minMax"/>
-          <c:max val="0.60000000000000009"/>
-          <c:min val="0"/>
+          <c:max val="1.5"/>
+          <c:min val="-0.4"/>
         </c:scaling>
         <c:delete val="0"/>
         <c:axPos val="b"/>
@@ -4352,8 +4584,8 @@
         <c:axId val="444985064"/>
         <c:scaling>
           <c:orientation val="minMax"/>
-          <c:max val="1.2"/>
-          <c:min val="-0.8"/>
+          <c:max val="1"/>
+          <c:min val="-0.4"/>
         </c:scaling>
         <c:delete val="0"/>
         <c:axPos val="l"/>
@@ -31859,13 +32091,7 @@
                         <a:rPr lang="en-US" b="0" i="1" smtClean="0">
                           <a:latin typeface="Cambria Math" panose="02040503050406030204" pitchFamily="18" charset="0"/>
                         </a:rPr>
-                        <m:t>&gt;</m:t>
-                      </m:r>
-                      <m:r>
-                        <a:rPr lang="en-US" b="0" i="1" smtClean="0">
-                          <a:latin typeface="Cambria Math" panose="02040503050406030204" pitchFamily="18" charset="0"/>
-                        </a:rPr>
-                        <m:t>0</m:t>
+                        <m:t>&gt;0</m:t>
                       </m:r>
                     </m:oMath>
                   </m:oMathPara>
@@ -31909,13 +32135,7 @@
                         <a:rPr lang="en-US" b="0" i="1" smtClean="0">
                           <a:latin typeface="Cambria Math" panose="02040503050406030204" pitchFamily="18" charset="0"/>
                         </a:rPr>
-                        <m:t>=−</m:t>
-                      </m:r>
-                      <m:r>
-                        <a:rPr lang="en-US" b="0" i="1" smtClean="0">
-                          <a:latin typeface="Cambria Math" panose="02040503050406030204" pitchFamily="18" charset="0"/>
-                        </a:rPr>
-                        <m:t>1</m:t>
+                        <m:t>=−1</m:t>
                       </m:r>
                     </m:oMath>
                   </m:oMathPara>
@@ -32074,7 +32294,7 @@
         </p:nvSpPr>
         <p:spPr>
           <a:xfrm>
-            <a:off x="3404165" y="2396609"/>
+            <a:off x="3633906" y="752475"/>
             <a:ext cx="973343" cy="769441"/>
           </a:xfrm>
           <a:prstGeom prst="rect">
@@ -32108,7 +32328,7 @@
         </p:nvSpPr>
         <p:spPr>
           <a:xfrm>
-            <a:off x="6096000" y="1777484"/>
+            <a:off x="5088302" y="1812066"/>
             <a:ext cx="1149674" cy="769441"/>
           </a:xfrm>
           <a:prstGeom prst="rect">
@@ -32461,7 +32681,7 @@
             <p:ph idx="1"/>
             <p:extLst>
               <p:ext uri="{D42A27DB-BD31-4B8C-83A1-F6EECF244321}">
-                <p14:modId xmlns:p14="http://schemas.microsoft.com/office/powerpoint/2010/main" val="3329678340"/>
+                <p14:modId xmlns:p14="http://schemas.microsoft.com/office/powerpoint/2010/main" val="2364499704"/>
               </p:ext>
             </p:extLst>
           </p:nvPr>
@@ -32490,7 +32710,7 @@
         </p:nvSpPr>
         <p:spPr>
           <a:xfrm>
-            <a:off x="8098161" y="1735830"/>
+            <a:off x="6266314" y="1762127"/>
             <a:ext cx="973343" cy="769441"/>
           </a:xfrm>
           <a:prstGeom prst="rect">
@@ -32524,7 +32744,7 @@
         </p:nvSpPr>
         <p:spPr>
           <a:xfrm>
-            <a:off x="9557657" y="2953140"/>
+            <a:off x="7239657" y="2953141"/>
             <a:ext cx="1149674" cy="769441"/>
           </a:xfrm>
           <a:prstGeom prst="rect">
@@ -32549,7 +32769,7 @@
           <p:cNvPr id="2" name="מציין מיקום של כותרת תחתונה 1">
             <a:extLst>
               <a:ext uri="{FF2B5EF4-FFF2-40B4-BE49-F238E27FC236}">
-                <a16:creationId xmlns:a16="http://schemas.microsoft.com/office/drawing/2014/main" id="{A82E813A-0F6A-4FAD-9DA6-25555063419A}"/>
+                <a16:creationId xmlns:a16="http://schemas.microsoft.com/office/drawing/2014/main" id="{3BEF4FD6-BF19-41A5-B236-12B4BE909C27}"/>
               </a:ext>
             </a:extLst>
           </p:cNvPr>
@@ -32576,7 +32796,7 @@
     </p:spTree>
     <p:extLst>
       <p:ext uri="{BB962C8B-B14F-4D97-AF65-F5344CB8AC3E}">
-        <p14:creationId xmlns:p14="http://schemas.microsoft.com/office/powerpoint/2010/main" val="2043712787"/>
+        <p14:creationId xmlns:p14="http://schemas.microsoft.com/office/powerpoint/2010/main" val="1419843035"/>
       </p:ext>
     </p:extLst>
   </p:cSld>
@@ -32617,11 +32837,6 @@
           </p:cNvGraphicFramePr>
           <p:nvPr>
             <p:ph idx="1"/>
-            <p:extLst>
-              <p:ext uri="{D42A27DB-BD31-4B8C-83A1-F6EECF244321}">
-                <p14:modId xmlns:p14="http://schemas.microsoft.com/office/powerpoint/2010/main" val="2243308339"/>
-              </p:ext>
-            </p:extLst>
           </p:nvPr>
         </p:nvGraphicFramePr>
         <p:xfrm>
@@ -32648,7 +32863,7 @@
         </p:nvSpPr>
         <p:spPr>
           <a:xfrm>
-            <a:off x="8098161" y="1735830"/>
+            <a:off x="3161569" y="2463767"/>
             <a:ext cx="973343" cy="769441"/>
           </a:xfrm>
           <a:prstGeom prst="rect">
@@ -32682,7 +32897,7 @@
         </p:nvSpPr>
         <p:spPr>
           <a:xfrm>
-            <a:off x="9557657" y="2953140"/>
+            <a:off x="6266110" y="3233208"/>
             <a:ext cx="1149674" cy="769441"/>
           </a:xfrm>
           <a:prstGeom prst="rect">
@@ -32707,7 +32922,7 @@
           <p:cNvPr id="2" name="מציין מיקום של כותרת תחתונה 1">
             <a:extLst>
               <a:ext uri="{FF2B5EF4-FFF2-40B4-BE49-F238E27FC236}">
-                <a16:creationId xmlns:a16="http://schemas.microsoft.com/office/drawing/2014/main" id="{AE06AAFF-6AB1-4E64-8B1D-0A426E104BA3}"/>
+                <a16:creationId xmlns:a16="http://schemas.microsoft.com/office/drawing/2014/main" id="{3BEF4FD6-BF19-41A5-B236-12B4BE909C27}"/>
               </a:ext>
             </a:extLst>
           </p:cNvPr>
@@ -32734,7 +32949,7 @@
     </p:spTree>
     <p:extLst>
       <p:ext uri="{BB962C8B-B14F-4D97-AF65-F5344CB8AC3E}">
-        <p14:creationId xmlns:p14="http://schemas.microsoft.com/office/powerpoint/2010/main" val="1390667069"/>
+        <p14:creationId xmlns:p14="http://schemas.microsoft.com/office/powerpoint/2010/main" val="2950907626"/>
       </p:ext>
     </p:extLst>
   </p:cSld>
@@ -33088,7 +33303,25 @@
                           <a:rPr lang="en-US" b="0" i="1" smtClean="0">
                             <a:latin typeface="Cambria Math" panose="02040503050406030204" pitchFamily="18" charset="0"/>
                           </a:rPr>
-                          <m:t>−1,1</m:t>
+                          <m:t>−</m:t>
+                        </m:r>
+                        <m:r>
+                          <a:rPr lang="en-US" b="0" i="1" smtClean="0">
+                            <a:latin typeface="Cambria Math" panose="02040503050406030204" pitchFamily="18" charset="0"/>
+                          </a:rPr>
+                          <m:t>1</m:t>
+                        </m:r>
+                        <m:r>
+                          <a:rPr lang="en-US" b="0" i="1" smtClean="0">
+                            <a:latin typeface="Cambria Math" panose="02040503050406030204" pitchFamily="18" charset="0"/>
+                          </a:rPr>
+                          <m:t>,</m:t>
+                        </m:r>
+                        <m:r>
+                          <a:rPr lang="en-US" b="0" i="1" smtClean="0">
+                            <a:latin typeface="Cambria Math" panose="02040503050406030204" pitchFamily="18" charset="0"/>
+                          </a:rPr>
+                          <m:t>1</m:t>
                         </m:r>
                       </m:e>
                     </m:d>
@@ -33278,7 +33511,13 @@
                       <a:rPr lang="en-US" b="0" i="1" smtClean="0">
                         <a:latin typeface="Cambria Math" panose="02040503050406030204" pitchFamily="18" charset="0"/>
                       </a:rPr>
-                      <m:t>&gt;0</m:t>
+                      <m:t>&gt;</m:t>
+                    </m:r>
+                    <m:r>
+                      <a:rPr lang="en-US" b="0" i="1" smtClean="0">
+                        <a:latin typeface="Cambria Math" panose="02040503050406030204" pitchFamily="18" charset="0"/>
+                      </a:rPr>
+                      <m:t>0</m:t>
                     </m:r>
                   </m:oMath>
                 </a14:m>
@@ -33343,7 +33582,13 @@
                       <a:rPr lang="en-US" b="0" i="1" smtClean="0">
                         <a:latin typeface="Cambria Math" panose="02040503050406030204" pitchFamily="18" charset="0"/>
                       </a:rPr>
-                      <m:t>=1</m:t>
+                      <m:t>=</m:t>
+                    </m:r>
+                    <m:r>
+                      <a:rPr lang="en-US" b="0" i="1" smtClean="0">
+                        <a:latin typeface="Cambria Math" panose="02040503050406030204" pitchFamily="18" charset="0"/>
+                      </a:rPr>
+                      <m:t>1</m:t>
                     </m:r>
                   </m:oMath>
                 </a14:m>
@@ -35878,13 +36123,7 @@
                           <a:rPr lang="en-US" b="0" i="1" smtClean="0">
                             <a:latin typeface="Cambria Math" panose="02040503050406030204" pitchFamily="18" charset="0"/>
                           </a:rPr>
-                          <m:t>+</m:t>
-                        </m:r>
-                        <m:r>
-                          <a:rPr lang="en-US" b="0" i="1" smtClean="0">
-                            <a:latin typeface="Cambria Math" panose="02040503050406030204" pitchFamily="18" charset="0"/>
-                          </a:rPr>
-                          <m:t>1</m:t>
+                          <m:t>+1</m:t>
                         </m:r>
                       </m:sub>
                     </m:sSub>
@@ -36165,13 +36404,7 @@
                       <a:rPr lang="en-US" b="0" i="1" smtClean="0">
                         <a:latin typeface="Cambria Math" panose="02040503050406030204" pitchFamily="18" charset="0"/>
                       </a:rPr>
-                      <m:t>=</m:t>
-                    </m:r>
-                    <m:r>
-                      <a:rPr lang="en-US" b="0" i="1" smtClean="0">
-                        <a:latin typeface="Cambria Math" panose="02040503050406030204" pitchFamily="18" charset="0"/>
-                      </a:rPr>
-                      <m:t>1</m:t>
+                      <m:t>=1</m:t>
                     </m:r>
                   </m:oMath>
                 </a14:m>
@@ -36217,13 +36450,7 @@
                             <a:rPr lang="en-US" b="0" i="1" smtClean="0">
                               <a:latin typeface="Cambria Math" panose="02040503050406030204" pitchFamily="18" charset="0"/>
                             </a:rPr>
-                            <m:t>+</m:t>
-                          </m:r>
-                          <m:r>
-                            <a:rPr lang="en-US" b="0" i="1" smtClean="0">
-                              <a:latin typeface="Cambria Math" panose="02040503050406030204" pitchFamily="18" charset="0"/>
-                            </a:rPr>
-                            <m:t>1</m:t>
+                            <m:t>+1</m:t>
                           </m:r>
                         </m:sub>
                       </m:sSub>
@@ -36711,13 +36938,7 @@
                             <a:rPr lang="en-US" i="1">
                               <a:latin typeface="Cambria Math" panose="02040503050406030204" pitchFamily="18" charset="0"/>
                             </a:rPr>
-                            <m:t>+</m:t>
-                          </m:r>
-                          <m:r>
-                            <a:rPr lang="en-US" i="1">
-                              <a:latin typeface="Cambria Math" panose="02040503050406030204" pitchFamily="18" charset="0"/>
-                            </a:rPr>
-                            <m:t>1</m:t>
+                            <m:t>+1</m:t>
                           </m:r>
                         </m:sub>
                       </m:sSub>
@@ -43624,8 +43845,8 @@
           </a:p>
         </p:txBody>
       </p:sp>
-      <mc:AlternateContent xmlns:mc="http://schemas.openxmlformats.org/markup-compatibility/2006">
-        <mc:Choice xmlns:a14="http://schemas.microsoft.com/office/drawing/2010/main" Requires="a14">
+      <mc:AlternateContent xmlns:mc="http://schemas.openxmlformats.org/markup-compatibility/2006" xmlns:a14="http://schemas.microsoft.com/office/drawing/2010/main">
+        <mc:Choice Requires="a14">
           <p:sp>
             <p:nvSpPr>
               <p:cNvPr id="8" name="תיבת טקסט 7">
@@ -43829,13 +44050,7 @@
                       <a:rPr lang="en-US" sz="2400" b="0" i="1" smtClean="0">
                         <a:latin typeface="Cambria Math" panose="02040503050406030204" pitchFamily="18" charset="0"/>
                       </a:rPr>
-                      <m:t>+</m:t>
-                    </m:r>
-                    <m:r>
-                      <a:rPr lang="en-US" sz="2400" b="0" i="1" smtClean="0">
-                        <a:latin typeface="Cambria Math" panose="02040503050406030204" pitchFamily="18" charset="0"/>
-                      </a:rPr>
-                      <m:t>1</m:t>
+                      <m:t>+1</m:t>
                     </m:r>
                   </m:oMath>
                 </a14:m>
@@ -44028,13 +44243,7 @@
                             <a:rPr lang="en-US" sz="2400" b="0" i="1" smtClean="0">
                               <a:latin typeface="Cambria Math" panose="02040503050406030204" pitchFamily="18" charset="0"/>
                             </a:rPr>
-                            <m:t>=</m:t>
-                          </m:r>
-                          <m:r>
-                            <a:rPr lang="en-US" sz="2400" b="0" i="1" smtClean="0">
-                              <a:latin typeface="Cambria Math" panose="02040503050406030204" pitchFamily="18" charset="0"/>
-                            </a:rPr>
-                            <m:t>1</m:t>
+                            <m:t>=1</m:t>
                           </m:r>
                         </m:sub>
                         <m:sup>
@@ -44192,13 +44401,7 @@
                             <a:rPr lang="en-US" sz="2400" b="0" i="1" smtClean="0">
                               <a:latin typeface="Cambria Math" panose="02040503050406030204" pitchFamily="18" charset="0"/>
                             </a:rPr>
-                            <m:t>=</m:t>
-                          </m:r>
-                          <m:r>
-                            <a:rPr lang="en-US" sz="2400" b="0" i="1" smtClean="0">
-                              <a:latin typeface="Cambria Math" panose="02040503050406030204" pitchFamily="18" charset="0"/>
-                            </a:rPr>
-                            <m:t>1</m:t>
+                            <m:t>=1</m:t>
                           </m:r>
                         </m:sub>
                         <m:sup>
@@ -44559,7 +44762,7 @@
             </p:txBody>
           </p:sp>
         </mc:Choice>
-        <mc:Fallback>
+        <mc:Fallback xmlns="">
           <p:sp>
             <p:nvSpPr>
               <p:cNvPr id="8" name="תיבת טקסט 7">
@@ -44729,8 +44932,8 @@
           </a:graphicData>
         </a:graphic>
       </p:graphicFrame>
-      <mc:AlternateContent xmlns:mc="http://schemas.openxmlformats.org/markup-compatibility/2006" xmlns:a14="http://schemas.microsoft.com/office/drawing/2010/main">
-        <mc:Choice Requires="a14">
+      <mc:AlternateContent xmlns:mc="http://schemas.openxmlformats.org/markup-compatibility/2006">
+        <mc:Choice xmlns:a14="http://schemas.microsoft.com/office/drawing/2010/main" Requires="a14">
           <p:sp>
             <p:nvSpPr>
               <p:cNvPr id="8" name="תיבת טקסט 7">
@@ -44817,6 +45020,18 @@
                           </m:r>
                         </m:e>
                       </m:d>
+                      <m:r>
+                        <a:rPr lang="en-US" sz="2000" b="0" i="1" smtClean="0">
+                          <a:latin typeface="Cambria Math" panose="02040503050406030204" pitchFamily="18" charset="0"/>
+                        </a:rPr>
+                        <m:t>+</m:t>
+                      </m:r>
+                      <m:r>
+                        <a:rPr lang="en-US" sz="2000" b="0" i="1" smtClean="0">
+                          <a:latin typeface="Cambria Math" panose="02040503050406030204" pitchFamily="18" charset="0"/>
+                        </a:rPr>
+                        <m:t>𝑑</m:t>
+                      </m:r>
                       <m:r>
                         <a:rPr lang="en-US" sz="2000" b="0" i="1" smtClean="0">
                           <a:latin typeface="Cambria Math" panose="02040503050406030204" pitchFamily="18" charset="0"/>
@@ -44917,7 +45132,7 @@
             </p:txBody>
           </p:sp>
         </mc:Choice>
-        <mc:Fallback xmlns="">
+        <mc:Fallback>
           <p:sp>
             <p:nvSpPr>
               <p:cNvPr id="8" name="תיבת טקסט 7">

--- a/perceptron_lecture/The Perceptron.pptx
+++ b/perceptron_lecture/The Perceptron.pptx
@@ -2693,34 +2693,9 @@
           <c:dLbls>
             <c:dLbl>
               <c:idx val="15"/>
-              <c:tx>
-                <c:rich>
-                  <a:bodyPr/>
-                  <a:lstStyle/>
-                  <a:p>
-                    <a:fld id="{7EEE3C08-A5B9-4DC3-8FBB-3830356486DA}" type="XVALUE">
-                      <a:rPr lang="en-US"/>
-                      <a:pPr/>
-                      <a:t>[ערך X]</a:t>
-                    </a:fld>
-                    <a:r>
-                      <a:rPr lang="en-US" baseline="0"/>
-                      <a:t>, -3/14</a:t>
-                    </a:r>
-                  </a:p>
-                </c:rich>
-              </c:tx>
-              <c:showLegendKey val="0"/>
-              <c:showVal val="1"/>
-              <c:showCatName val="1"/>
-              <c:showSerName val="0"/>
-              <c:showPercent val="0"/>
-              <c:showBubbleSize val="0"/>
+              <c:delete val="1"/>
               <c:extLst>
-                <c:ext xmlns:c15="http://schemas.microsoft.com/office/drawing/2012/chart" uri="{CE6537A1-D6FC-4f65-9D91-7224C49458BB}">
-                  <c15:dlblFieldTable/>
-                  <c15:showDataLabelsRange val="0"/>
-                </c:ext>
+                <c:ext xmlns:c15="http://schemas.microsoft.com/office/drawing/2012/chart" uri="{CE6537A1-D6FC-4f65-9D91-7224C49458BB}"/>
                 <c:ext xmlns:c16="http://schemas.microsoft.com/office/drawing/2014/chart" uri="{C3380CC4-5D6E-409C-BE32-E72D297353CC}">
                   <c16:uniqueId val="{00000006-1476-47EB-832C-332C19675209}"/>
                 </c:ext>
@@ -32091,7 +32066,13 @@
                         <a:rPr lang="en-US" b="0" i="1" smtClean="0">
                           <a:latin typeface="Cambria Math" panose="02040503050406030204" pitchFamily="18" charset="0"/>
                         </a:rPr>
-                        <m:t>&gt;0</m:t>
+                        <m:t>&gt;</m:t>
+                      </m:r>
+                      <m:r>
+                        <a:rPr lang="en-US" b="0" i="1" smtClean="0">
+                          <a:latin typeface="Cambria Math" panose="02040503050406030204" pitchFamily="18" charset="0"/>
+                        </a:rPr>
+                        <m:t>0</m:t>
                       </m:r>
                     </m:oMath>
                   </m:oMathPara>
@@ -32135,7 +32116,13 @@
                         <a:rPr lang="en-US" b="0" i="1" smtClean="0">
                           <a:latin typeface="Cambria Math" panose="02040503050406030204" pitchFamily="18" charset="0"/>
                         </a:rPr>
-                        <m:t>=−1</m:t>
+                        <m:t>=−</m:t>
+                      </m:r>
+                      <m:r>
+                        <a:rPr lang="en-US" b="0" i="1" smtClean="0">
+                          <a:latin typeface="Cambria Math" panose="02040503050406030204" pitchFamily="18" charset="0"/>
+                        </a:rPr>
+                        <m:t>1</m:t>
                       </m:r>
                     </m:oMath>
                   </m:oMathPara>
@@ -36123,7 +36110,13 @@
                           <a:rPr lang="en-US" b="0" i="1" smtClean="0">
                             <a:latin typeface="Cambria Math" panose="02040503050406030204" pitchFamily="18" charset="0"/>
                           </a:rPr>
-                          <m:t>+1</m:t>
+                          <m:t>+</m:t>
+                        </m:r>
+                        <m:r>
+                          <a:rPr lang="en-US" b="0" i="1" smtClean="0">
+                            <a:latin typeface="Cambria Math" panose="02040503050406030204" pitchFamily="18" charset="0"/>
+                          </a:rPr>
+                          <m:t>1</m:t>
                         </m:r>
                       </m:sub>
                     </m:sSub>
@@ -36404,7 +36397,13 @@
                       <a:rPr lang="en-US" b="0" i="1" smtClean="0">
                         <a:latin typeface="Cambria Math" panose="02040503050406030204" pitchFamily="18" charset="0"/>
                       </a:rPr>
-                      <m:t>=1</m:t>
+                      <m:t>=</m:t>
+                    </m:r>
+                    <m:r>
+                      <a:rPr lang="en-US" b="0" i="1" smtClean="0">
+                        <a:latin typeface="Cambria Math" panose="02040503050406030204" pitchFamily="18" charset="0"/>
+                      </a:rPr>
+                      <m:t>1</m:t>
                     </m:r>
                   </m:oMath>
                 </a14:m>
@@ -36450,7 +36449,13 @@
                             <a:rPr lang="en-US" b="0" i="1" smtClean="0">
                               <a:latin typeface="Cambria Math" panose="02040503050406030204" pitchFamily="18" charset="0"/>
                             </a:rPr>
-                            <m:t>+1</m:t>
+                            <m:t>+</m:t>
+                          </m:r>
+                          <m:r>
+                            <a:rPr lang="en-US" b="0" i="1" smtClean="0">
+                              <a:latin typeface="Cambria Math" panose="02040503050406030204" pitchFamily="18" charset="0"/>
+                            </a:rPr>
+                            <m:t>1</m:t>
                           </m:r>
                         </m:sub>
                       </m:sSub>
@@ -36938,7 +36943,13 @@
                             <a:rPr lang="en-US" i="1">
                               <a:latin typeface="Cambria Math" panose="02040503050406030204" pitchFamily="18" charset="0"/>
                             </a:rPr>
-                            <m:t>+1</m:t>
+                            <m:t>+</m:t>
+                          </m:r>
+                          <m:r>
+                            <a:rPr lang="en-US" i="1">
+                              <a:latin typeface="Cambria Math" panose="02040503050406030204" pitchFamily="18" charset="0"/>
+                            </a:rPr>
+                            <m:t>1</m:t>
                           </m:r>
                         </m:sub>
                       </m:sSub>
@@ -44050,7 +44061,13 @@
                       <a:rPr lang="en-US" sz="2400" b="0" i="1" smtClean="0">
                         <a:latin typeface="Cambria Math" panose="02040503050406030204" pitchFamily="18" charset="0"/>
                       </a:rPr>
-                      <m:t>+1</m:t>
+                      <m:t>+</m:t>
+                    </m:r>
+                    <m:r>
+                      <a:rPr lang="en-US" sz="2400" b="0" i="1" smtClean="0">
+                        <a:latin typeface="Cambria Math" panose="02040503050406030204" pitchFamily="18" charset="0"/>
+                      </a:rPr>
+                      <m:t>1</m:t>
                     </m:r>
                   </m:oMath>
                 </a14:m>
@@ -44243,7 +44260,13 @@
                             <a:rPr lang="en-US" sz="2400" b="0" i="1" smtClean="0">
                               <a:latin typeface="Cambria Math" panose="02040503050406030204" pitchFamily="18" charset="0"/>
                             </a:rPr>
-                            <m:t>=1</m:t>
+                            <m:t>=</m:t>
+                          </m:r>
+                          <m:r>
+                            <a:rPr lang="en-US" sz="2400" b="0" i="1" smtClean="0">
+                              <a:latin typeface="Cambria Math" panose="02040503050406030204" pitchFamily="18" charset="0"/>
+                            </a:rPr>
+                            <m:t>1</m:t>
                           </m:r>
                         </m:sub>
                         <m:sup>
@@ -44401,7 +44424,13 @@
                             <a:rPr lang="en-US" sz="2400" b="0" i="1" smtClean="0">
                               <a:latin typeface="Cambria Math" panose="02040503050406030204" pitchFamily="18" charset="0"/>
                             </a:rPr>
-                            <m:t>=1</m:t>
+                            <m:t>=</m:t>
+                          </m:r>
+                          <m:r>
+                            <a:rPr lang="en-US" sz="2400" b="0" i="1" smtClean="0">
+                              <a:latin typeface="Cambria Math" panose="02040503050406030204" pitchFamily="18" charset="0"/>
+                            </a:rPr>
+                            <m:t>1</m:t>
                           </m:r>
                         </m:sub>
                         <m:sup>
@@ -44932,8 +44961,8 @@
           </a:graphicData>
         </a:graphic>
       </p:graphicFrame>
-      <mc:AlternateContent xmlns:mc="http://schemas.openxmlformats.org/markup-compatibility/2006">
-        <mc:Choice xmlns:a14="http://schemas.microsoft.com/office/drawing/2010/main" Requires="a14">
+      <mc:AlternateContent xmlns:mc="http://schemas.openxmlformats.org/markup-compatibility/2006" xmlns:a14="http://schemas.microsoft.com/office/drawing/2010/main">
+        <mc:Choice Requires="a14">
           <p:sp>
             <p:nvSpPr>
               <p:cNvPr id="8" name="תיבת טקסט 7">
@@ -45132,7 +45161,7 @@
             </p:txBody>
           </p:sp>
         </mc:Choice>
-        <mc:Fallback>
+        <mc:Fallback xmlns="">
           <p:sp>
             <p:nvSpPr>
               <p:cNvPr id="8" name="תיבת טקסט 7">

--- a/perceptron_lecture/The Perceptron.pptx
+++ b/perceptron_lecture/The Perceptron.pptx
@@ -5,7 +5,7 @@
     <p:sldMasterId id="2147483665" r:id="rId1"/>
   </p:sldMasterIdLst>
   <p:notesMasterIdLst>
-    <p:notesMasterId r:id="rId38"/>
+    <p:notesMasterId r:id="rId39"/>
   </p:notesMasterIdLst>
   <p:sldIdLst>
     <p:sldId id="256" r:id="rId2"/>
@@ -44,6 +44,7 @@
     <p:sldId id="284" r:id="rId35"/>
     <p:sldId id="285" r:id="rId36"/>
     <p:sldId id="286" r:id="rId37"/>
+    <p:sldId id="296" r:id="rId38"/>
   </p:sldIdLst>
   <p:sldSz cx="12192000" cy="6858000"/>
   <p:notesSz cx="6858000" cy="9144000"/>
@@ -19692,7 +19693,7 @@
           <a:p>
             <a:fld id="{5ACDFEA7-A0C9-4CD0-9468-6FB1605B5AA6}" type="datetimeFigureOut">
               <a:rPr lang="en-US" smtClean="0"/>
-              <a:t>6/21/2019</a:t>
+              <a:t>6/22/2019</a:t>
             </a:fld>
             <a:endParaRPr lang="en-US"/>
           </a:p>
@@ -20363,7 +20364,7 @@
           <a:p>
             <a:fld id="{F1EE02E4-3D96-4821-B61A-9AA7CF1651DB}" type="datetime1">
               <a:rPr lang="en-US" smtClean="0"/>
-              <a:t>6/21/2019</a:t>
+              <a:t>6/22/2019</a:t>
             </a:fld>
             <a:endParaRPr lang="en-US" dirty="0"/>
           </a:p>
@@ -20547,7 +20548,7 @@
           <a:p>
             <a:fld id="{9710DD9A-6181-4DAA-BD4E-DDFC604C66A6}" type="datetime1">
               <a:rPr lang="en-US" smtClean="0"/>
-              <a:t>6/21/2019</a:t>
+              <a:t>6/22/2019</a:t>
             </a:fld>
             <a:endParaRPr lang="en-US" dirty="0"/>
           </a:p>
@@ -20732,7 +20733,7 @@
           <a:p>
             <a:fld id="{B4796E74-EE30-4188-A9BF-85EF5FC23B35}" type="datetime1">
               <a:rPr lang="en-US" smtClean="0"/>
-              <a:t>6/21/2019</a:t>
+              <a:t>6/22/2019</a:t>
             </a:fld>
             <a:endParaRPr lang="en-US" dirty="0"/>
           </a:p>
@@ -20907,7 +20908,7 @@
           <a:p>
             <a:fld id="{53E69A67-A89C-406C-A2B4-ACFE243F5A3A}" type="datetime1">
               <a:rPr lang="en-US" smtClean="0"/>
-              <a:t>6/21/2019</a:t>
+              <a:t>6/22/2019</a:t>
             </a:fld>
             <a:endParaRPr lang="en-US" dirty="0"/>
           </a:p>
@@ -21225,7 +21226,7 @@
           <a:p>
             <a:fld id="{A7373319-75D6-4516-BB0D-DE70EC8DD26C}" type="datetime1">
               <a:rPr lang="en-US" smtClean="0"/>
-              <a:t>6/21/2019</a:t>
+              <a:t>6/22/2019</a:t>
             </a:fld>
             <a:endParaRPr lang="en-US" dirty="0"/>
           </a:p>
@@ -21616,7 +21617,7 @@
           <a:p>
             <a:fld id="{A75FFBF2-55DA-4758-B068-653BA4D46080}" type="datetime1">
               <a:rPr lang="en-US" smtClean="0"/>
-              <a:t>6/21/2019</a:t>
+              <a:t>6/22/2019</a:t>
             </a:fld>
             <a:endParaRPr lang="en-US" dirty="0"/>
           </a:p>
@@ -22055,7 +22056,7 @@
           <a:p>
             <a:fld id="{13B8AB1D-C0CA-4D06-9C12-18DE8E773E41}" type="datetime1">
               <a:rPr lang="en-US" smtClean="0"/>
-              <a:t>6/21/2019</a:t>
+              <a:t>6/22/2019</a:t>
             </a:fld>
             <a:endParaRPr lang="en-US" dirty="0"/>
           </a:p>
@@ -22178,7 +22179,7 @@
           <a:p>
             <a:fld id="{996DCEE2-2FE7-4B86-AB21-84D58062DB98}" type="datetime1">
               <a:rPr lang="en-US" smtClean="0"/>
-              <a:t>6/21/2019</a:t>
+              <a:t>6/22/2019</a:t>
             </a:fld>
             <a:endParaRPr lang="en-US" dirty="0"/>
           </a:p>
@@ -22278,7 +22279,7 @@
           <a:p>
             <a:fld id="{DED2FB6C-ED9A-4466-849E-8236A2D46C67}" type="datetime1">
               <a:rPr lang="en-US" smtClean="0"/>
-              <a:t>6/21/2019</a:t>
+              <a:t>6/22/2019</a:t>
             </a:fld>
             <a:endParaRPr lang="en-US" dirty="0"/>
           </a:p>
@@ -22633,7 +22634,7 @@
           <a:p>
             <a:fld id="{E139A2D1-D9F5-4F47-BB87-C2698257196D}" type="datetime1">
               <a:rPr lang="en-US" smtClean="0"/>
-              <a:t>6/21/2019</a:t>
+              <a:t>6/22/2019</a:t>
             </a:fld>
             <a:endParaRPr lang="en-US" dirty="0"/>
           </a:p>
@@ -23063,7 +23064,7 @@
           <a:p>
             <a:fld id="{79A2A329-6196-42D2-B7D6-F9E50E84BEE7}" type="datetime1">
               <a:rPr lang="en-US" smtClean="0"/>
-              <a:t>6/21/2019</a:t>
+              <a:t>6/22/2019</a:t>
             </a:fld>
             <a:endParaRPr lang="en-US" dirty="0"/>
           </a:p>
@@ -23345,7 +23346,7 @@
           <a:p>
             <a:fld id="{B71CBFC2-71ED-4FA2-9F1E-1828F9FFF01A}" type="datetime1">
               <a:rPr lang="en-US" smtClean="0"/>
-              <a:t>6/21/2019</a:t>
+              <a:t>6/22/2019</a:t>
             </a:fld>
             <a:endParaRPr lang="en-US" dirty="0"/>
           </a:p>
@@ -24508,34 +24509,6 @@
       </p:grpSpPr>
       <p:sp>
         <p:nvSpPr>
-          <p:cNvPr id="2" name="כותרת 1">
-            <a:extLst>
-              <a:ext uri="{FF2B5EF4-FFF2-40B4-BE49-F238E27FC236}">
-                <a16:creationId xmlns:a16="http://schemas.microsoft.com/office/drawing/2014/main" id="{66AF0B66-5599-4521-8468-D0E48358C3A0}"/>
-              </a:ext>
-            </a:extLst>
-          </p:cNvPr>
-          <p:cNvSpPr>
-            <a:spLocks noGrp="1"/>
-          </p:cNvSpPr>
-          <p:nvPr>
-            <p:ph type="title"/>
-          </p:nvPr>
-        </p:nvSpPr>
-        <p:spPr/>
-        <p:txBody>
-          <a:bodyPr/>
-          <a:lstStyle/>
-          <a:p>
-            <a:r>
-              <a:rPr lang="en-US" dirty="0"/>
-              <a:t>Topics</a:t>
-            </a:r>
-          </a:p>
-        </p:txBody>
-      </p:sp>
-      <p:sp>
-        <p:nvSpPr>
           <p:cNvPr id="3" name="מציין מיקום תוכן 2">
             <a:extLst>
               <a:ext uri="{FF2B5EF4-FFF2-40B4-BE49-F238E27FC236}">
@@ -24558,7 +24531,7 @@
         </p:spPr>
         <p:txBody>
           <a:bodyPr>
-            <a:normAutofit fontScale="92500" lnSpcReduction="10000"/>
+            <a:normAutofit fontScale="92500" lnSpcReduction="20000"/>
           </a:bodyPr>
           <a:lstStyle/>
           <a:p>
@@ -24664,6 +24637,13 @@
           </a:p>
           <a:p>
             <a:pPr lvl="1"/>
+            <a:r>
+              <a:rPr lang="en-US" sz="2400" dirty="0"/>
+              <a:t>Stopping criterions</a:t>
+            </a:r>
+          </a:p>
+          <a:p>
+            <a:pPr lvl="1"/>
             <a:endParaRPr lang="en-US" sz="2400" dirty="0"/>
           </a:p>
         </p:txBody>
@@ -24694,6 +24674,39 @@
               <a:t>Eitan Kosman</a:t>
             </a:r>
             <a:endParaRPr lang="en-US" dirty="0"/>
+          </a:p>
+        </p:txBody>
+      </p:sp>
+      <p:sp>
+        <p:nvSpPr>
+          <p:cNvPr id="8" name="כותרת 1">
+            <a:extLst>
+              <a:ext uri="{FF2B5EF4-FFF2-40B4-BE49-F238E27FC236}">
+                <a16:creationId xmlns:a16="http://schemas.microsoft.com/office/drawing/2014/main" id="{FDF37DC4-EAEE-40A6-9721-B1E8C1AC92A6}"/>
+              </a:ext>
+            </a:extLst>
+          </p:cNvPr>
+          <p:cNvSpPr>
+            <a:spLocks noGrp="1"/>
+          </p:cNvSpPr>
+          <p:nvPr>
+            <p:ph type="title"/>
+          </p:nvPr>
+        </p:nvSpPr>
+        <p:spPr>
+          <a:xfrm>
+            <a:off x="1069848" y="484632"/>
+            <a:ext cx="10058400" cy="1609344"/>
+          </a:xfrm>
+        </p:spPr>
+        <p:txBody>
+          <a:bodyPr/>
+          <a:lstStyle/>
+          <a:p>
+            <a:r>
+              <a:rPr lang="en-US" dirty="0"/>
+              <a:t>agenda</a:t>
+            </a:r>
           </a:p>
         </p:txBody>
       </p:sp>
@@ -30424,7 +30437,7 @@
           <a:p>
             <a:r>
               <a:rPr lang="en-US" dirty="0"/>
-              <a:t>Topics</a:t>
+              <a:t>agenda</a:t>
             </a:r>
           </a:p>
         </p:txBody>
@@ -30561,12 +30574,8 @@
             <a:pPr lvl="1"/>
             <a:r>
               <a:rPr lang="en-US" sz="2400" dirty="0"/>
-              <a:t>Rebirth</a:t>
+              <a:t>Stopping criterions</a:t>
             </a:r>
-          </a:p>
-          <a:p>
-            <a:pPr lvl="1"/>
-            <a:endParaRPr lang="en-US" sz="2400" dirty="0"/>
           </a:p>
           <a:p>
             <a:pPr lvl="1"/>
@@ -43809,6 +43818,240 @@
 </p:sld>
 </file>
 
+<file path=ppt/slides/slide37.xml><?xml version="1.0" encoding="utf-8"?>
+<p:sld xmlns:a="http://schemas.openxmlformats.org/drawingml/2006/main" xmlns:r="http://schemas.openxmlformats.org/officeDocument/2006/relationships" xmlns:p="http://schemas.openxmlformats.org/presentationml/2006/main">
+  <p:cSld>
+    <p:spTree>
+      <p:nvGrpSpPr>
+        <p:cNvPr id="1" name=""/>
+        <p:cNvGrpSpPr/>
+        <p:nvPr/>
+      </p:nvGrpSpPr>
+      <p:grpSpPr>
+        <a:xfrm>
+          <a:off x="0" y="0"/>
+          <a:ext cx="0" cy="0"/>
+          <a:chOff x="0" y="0"/>
+          <a:chExt cx="0" cy="0"/>
+        </a:xfrm>
+      </p:grpSpPr>
+      <p:sp>
+        <p:nvSpPr>
+          <p:cNvPr id="3" name="מציין מיקום תוכן 2">
+            <a:extLst>
+              <a:ext uri="{FF2B5EF4-FFF2-40B4-BE49-F238E27FC236}">
+                <a16:creationId xmlns:a16="http://schemas.microsoft.com/office/drawing/2014/main" id="{64B3EBA9-9D71-4EB4-B2C1-AB1C865FA361}"/>
+              </a:ext>
+            </a:extLst>
+          </p:cNvPr>
+          <p:cNvSpPr>
+            <a:spLocks noGrp="1"/>
+          </p:cNvSpPr>
+          <p:nvPr>
+            <p:ph idx="1"/>
+          </p:nvPr>
+        </p:nvSpPr>
+        <p:spPr>
+          <a:xfrm>
+            <a:off x="1069848" y="1702965"/>
+            <a:ext cx="10058400" cy="4941116"/>
+          </a:xfrm>
+        </p:spPr>
+        <p:txBody>
+          <a:bodyPr>
+            <a:normAutofit/>
+          </a:bodyPr>
+          <a:lstStyle/>
+          <a:p>
+            <a:pPr marL="0" indent="0">
+              <a:buNone/>
+            </a:pPr>
+            <a:r>
+              <a:rPr lang="en-US" sz="1800" b="0" dirty="0"/>
+              <a:t>The mistake bound holds only if the dataset is linearly sepa</a:t>
+            </a:r>
+            <a:r>
+              <a:rPr lang="en-US" sz="1800" dirty="0"/>
+              <a:t>rable.</a:t>
+            </a:r>
+          </a:p>
+          <a:p>
+            <a:pPr marL="0" indent="0">
+              <a:buNone/>
+            </a:pPr>
+            <a:r>
+              <a:rPr lang="en-US" sz="1800" b="0" dirty="0"/>
+              <a:t>If it’s not the case, one could define other </a:t>
+            </a:r>
+            <a:r>
+              <a:rPr lang="en-US" sz="1800" b="0" dirty="0" err="1"/>
+              <a:t>critertions</a:t>
+            </a:r>
+            <a:r>
+              <a:rPr lang="en-US" sz="1800" b="0" dirty="0"/>
+              <a:t>:</a:t>
+            </a:r>
+            <a:endParaRPr lang="en-US" sz="1800" dirty="0"/>
+          </a:p>
+          <a:p>
+            <a:r>
+              <a:rPr lang="en-US" sz="1800" u="sng" dirty="0"/>
+              <a:t>Approach 1:</a:t>
+            </a:r>
+            <a:r>
+              <a:rPr lang="en-US" sz="1800" dirty="0"/>
+              <a:t> Consider the perceptron as an any-time algorithm. When the user is out of time or resources, return the current weights.</a:t>
+            </a:r>
+          </a:p>
+          <a:p>
+            <a:r>
+              <a:rPr lang="en-US" sz="1800" u="sng" dirty="0"/>
+              <a:t>Approach 2:</a:t>
+            </a:r>
+            <a:r>
+              <a:rPr lang="en-US" sz="1800" dirty="0"/>
+              <a:t> After each update, calculate the accuracy, and remember the weights with highest accuracy:</a:t>
+            </a:r>
+          </a:p>
+          <a:p>
+            <a:endParaRPr lang="en-US" sz="1800" b="0" dirty="0"/>
+          </a:p>
+        </p:txBody>
+      </p:sp>
+      <p:sp>
+        <p:nvSpPr>
+          <p:cNvPr id="4" name="כותרת 1">
+            <a:extLst>
+              <a:ext uri="{FF2B5EF4-FFF2-40B4-BE49-F238E27FC236}">
+                <a16:creationId xmlns:a16="http://schemas.microsoft.com/office/drawing/2014/main" id="{506548E1-2EBB-4E4A-B125-E01169BEF58A}"/>
+              </a:ext>
+            </a:extLst>
+          </p:cNvPr>
+          <p:cNvSpPr>
+            <a:spLocks noGrp="1"/>
+          </p:cNvSpPr>
+          <p:nvPr>
+            <p:ph type="title"/>
+          </p:nvPr>
+        </p:nvSpPr>
+        <p:spPr>
+          <a:xfrm>
+            <a:off x="1069848" y="484632"/>
+            <a:ext cx="10058400" cy="1609344"/>
+          </a:xfrm>
+        </p:spPr>
+        <p:txBody>
+          <a:bodyPr/>
+          <a:lstStyle/>
+          <a:p>
+            <a:r>
+              <a:rPr lang="en-US" dirty="0"/>
+              <a:t>Stopping criterions</a:t>
+            </a:r>
+          </a:p>
+        </p:txBody>
+      </p:sp>
+      <p:sp>
+        <p:nvSpPr>
+          <p:cNvPr id="2" name="מציין מיקום של כותרת תחתונה 1">
+            <a:extLst>
+              <a:ext uri="{FF2B5EF4-FFF2-40B4-BE49-F238E27FC236}">
+                <a16:creationId xmlns:a16="http://schemas.microsoft.com/office/drawing/2014/main" id="{CC498329-FD15-48D5-BD63-6461AC1793E4}"/>
+              </a:ext>
+            </a:extLst>
+          </p:cNvPr>
+          <p:cNvSpPr>
+            <a:spLocks noGrp="1"/>
+          </p:cNvSpPr>
+          <p:nvPr>
+            <p:ph type="ftr" sz="quarter" idx="11"/>
+          </p:nvPr>
+        </p:nvSpPr>
+        <p:spPr/>
+        <p:txBody>
+          <a:bodyPr/>
+          <a:lstStyle/>
+          <a:p>
+            <a:r>
+              <a:rPr lang="en-US" dirty="0"/>
+              <a:t>Eitan Kosman</a:t>
+            </a:r>
+          </a:p>
+        </p:txBody>
+      </p:sp>
+      <p:pic>
+        <p:nvPicPr>
+          <p:cNvPr id="6" name="תמונה 5">
+            <a:extLst>
+              <a:ext uri="{FF2B5EF4-FFF2-40B4-BE49-F238E27FC236}">
+                <a16:creationId xmlns:a16="http://schemas.microsoft.com/office/drawing/2014/main" id="{8C2EF335-D869-4130-B215-3CA4456CBC1C}"/>
+              </a:ext>
+            </a:extLst>
+          </p:cNvPr>
+          <p:cNvPicPr>
+            <a:picLocks noChangeAspect="1"/>
+          </p:cNvPicPr>
+          <p:nvPr/>
+        </p:nvPicPr>
+        <p:blipFill>
+          <a:blip r:embed="rId2"/>
+          <a:stretch>
+            <a:fillRect/>
+          </a:stretch>
+        </p:blipFill>
+        <p:spPr>
+          <a:xfrm>
+            <a:off x="6549540" y="3654084"/>
+            <a:ext cx="4257923" cy="3153524"/>
+          </a:xfrm>
+          <a:prstGeom prst="rect">
+            <a:avLst/>
+          </a:prstGeom>
+        </p:spPr>
+      </p:pic>
+      <p:pic>
+        <p:nvPicPr>
+          <p:cNvPr id="7" name="תמונה 6">
+            <a:extLst>
+              <a:ext uri="{FF2B5EF4-FFF2-40B4-BE49-F238E27FC236}">
+                <a16:creationId xmlns:a16="http://schemas.microsoft.com/office/drawing/2014/main" id="{752670A9-3ED1-4B4F-B837-773E2B7C7EDF}"/>
+              </a:ext>
+            </a:extLst>
+          </p:cNvPr>
+          <p:cNvPicPr>
+            <a:picLocks noChangeAspect="1"/>
+          </p:cNvPicPr>
+          <p:nvPr/>
+        </p:nvPicPr>
+        <p:blipFill>
+          <a:blip r:embed="rId3"/>
+          <a:stretch>
+            <a:fillRect/>
+          </a:stretch>
+        </p:blipFill>
+        <p:spPr>
+          <a:xfrm>
+            <a:off x="2313992" y="3754119"/>
+            <a:ext cx="4030826" cy="2883790"/>
+          </a:xfrm>
+          <a:prstGeom prst="rect">
+            <a:avLst/>
+          </a:prstGeom>
+        </p:spPr>
+      </p:pic>
+    </p:spTree>
+    <p:extLst>
+      <p:ext uri="{BB962C8B-B14F-4D97-AF65-F5344CB8AC3E}">
+        <p14:creationId xmlns:p14="http://schemas.microsoft.com/office/powerpoint/2010/main" val="756672120"/>
+      </p:ext>
+    </p:extLst>
+  </p:cSld>
+  <p:clrMapOvr>
+    <a:masterClrMapping/>
+  </p:clrMapOvr>
+</p:sld>
+</file>
+
 <file path=ppt/slides/slide4.xml><?xml version="1.0" encoding="utf-8"?>
 <p:sld xmlns:a="http://schemas.openxmlformats.org/drawingml/2006/main" xmlns:r="http://schemas.openxmlformats.org/officeDocument/2006/relationships" xmlns:p="http://schemas.openxmlformats.org/presentationml/2006/main">
   <p:cSld>
@@ -45642,34 +45885,6 @@
       </p:grpSpPr>
       <p:sp>
         <p:nvSpPr>
-          <p:cNvPr id="2" name="כותרת 1">
-            <a:extLst>
-              <a:ext uri="{FF2B5EF4-FFF2-40B4-BE49-F238E27FC236}">
-                <a16:creationId xmlns:a16="http://schemas.microsoft.com/office/drawing/2014/main" id="{66AF0B66-5599-4521-8468-D0E48358C3A0}"/>
-              </a:ext>
-            </a:extLst>
-          </p:cNvPr>
-          <p:cNvSpPr>
-            <a:spLocks noGrp="1"/>
-          </p:cNvSpPr>
-          <p:nvPr>
-            <p:ph type="title"/>
-          </p:nvPr>
-        </p:nvSpPr>
-        <p:spPr/>
-        <p:txBody>
-          <a:bodyPr/>
-          <a:lstStyle/>
-          <a:p>
-            <a:r>
-              <a:rPr lang="en-US" dirty="0"/>
-              <a:t>Topics</a:t>
-            </a:r>
-          </a:p>
-        </p:txBody>
-      </p:sp>
-      <p:sp>
-        <p:nvSpPr>
           <p:cNvPr id="3" name="מציין מיקום תוכן 2">
             <a:extLst>
               <a:ext uri="{FF2B5EF4-FFF2-40B4-BE49-F238E27FC236}">
@@ -45800,7 +46015,7 @@
             <a:pPr lvl="1"/>
             <a:r>
               <a:rPr lang="en-US" sz="2400" dirty="0"/>
-              <a:t>Rebirth</a:t>
+              <a:t>Stopping criterions</a:t>
             </a:r>
           </a:p>
           <a:p>
@@ -45839,6 +46054,39 @@
               <a:t>Eitan Kosman</a:t>
             </a:r>
             <a:endParaRPr lang="en-US" dirty="0"/>
+          </a:p>
+        </p:txBody>
+      </p:sp>
+      <p:sp>
+        <p:nvSpPr>
+          <p:cNvPr id="7" name="כותרת 1">
+            <a:extLst>
+              <a:ext uri="{FF2B5EF4-FFF2-40B4-BE49-F238E27FC236}">
+                <a16:creationId xmlns:a16="http://schemas.microsoft.com/office/drawing/2014/main" id="{A4F589CA-0325-4940-9A4C-4690AF403D56}"/>
+              </a:ext>
+            </a:extLst>
+          </p:cNvPr>
+          <p:cNvSpPr>
+            <a:spLocks noGrp="1"/>
+          </p:cNvSpPr>
+          <p:nvPr>
+            <p:ph type="title"/>
+          </p:nvPr>
+        </p:nvSpPr>
+        <p:spPr>
+          <a:xfrm>
+            <a:off x="1069848" y="484632"/>
+            <a:ext cx="10058400" cy="1609344"/>
+          </a:xfrm>
+        </p:spPr>
+        <p:txBody>
+          <a:bodyPr/>
+          <a:lstStyle/>
+          <a:p>
+            <a:r>
+              <a:rPr lang="en-US" dirty="0"/>
+              <a:t>agenda</a:t>
+            </a:r>
           </a:p>
         </p:txBody>
       </p:sp>
